--- a/Data Foundation Systems - Final Eval.pptx
+++ b/Data Foundation Systems - Final Eval.pptx
@@ -28,22 +28,21 @@
     <p:sldId id="273" r:id="rId23"/>
     <p:sldId id="274" r:id="rId24"/>
     <p:sldId id="275" r:id="rId25"/>
-    <p:sldId id="276" r:id="rId26"/>
   </p:sldIdLst>
   <p:sldSz cy="5143500" cx="9144000"/>
   <p:notesSz cx="6858000" cy="9144000"/>
   <p:embeddedFontLst>
     <p:embeddedFont>
       <p:font typeface="Nunito"/>
-      <p:regular r:id="rId27"/>
-      <p:bold r:id="rId28"/>
-      <p:italic r:id="rId29"/>
-      <p:boldItalic r:id="rId30"/>
+      <p:regular r:id="rId26"/>
+      <p:bold r:id="rId27"/>
+      <p:italic r:id="rId28"/>
+      <p:boldItalic r:id="rId29"/>
     </p:embeddedFont>
     <p:embeddedFont>
       <p:font typeface="Maven Pro"/>
-      <p:regular r:id="rId31"/>
-      <p:bold r:id="rId32"/>
+      <p:regular r:id="rId30"/>
+      <p:bold r:id="rId31"/>
     </p:embeddedFont>
   </p:embeddedFontLst>
   <p:defaultTextStyle>
@@ -1135,7 +1134,7 @@
       </p:grpSpPr>
       <p:sp>
         <p:nvSpPr>
-          <p:cNvPr id="350" name="Google Shape;350;g126290804e4_0_522:notes"/>
+          <p:cNvPr id="350" name="Google Shape;350;g126290804e4_3_0:notes"/>
           <p:cNvSpPr/>
           <p:nvPr>
             <p:ph idx="2" type="sldImg"/>
@@ -1170,7 +1169,7 @@
       </p:sp>
       <p:sp>
         <p:nvSpPr>
-          <p:cNvPr id="351" name="Google Shape;351;g126290804e4_0_522:notes"/>
+          <p:cNvPr id="351" name="Google Shape;351;g126290804e4_3_0:notes"/>
           <p:cNvSpPr txBox="1"/>
           <p:nvPr>
             <p:ph idx="1" type="body"/>
@@ -1234,7 +1233,7 @@
       </p:grpSpPr>
       <p:sp>
         <p:nvSpPr>
-          <p:cNvPr id="356" name="Google Shape;356;g126290804e4_3_0:notes"/>
+          <p:cNvPr id="356" name="Google Shape;356;g126290804e4_0_560:notes"/>
           <p:cNvSpPr/>
           <p:nvPr>
             <p:ph idx="2" type="sldImg"/>
@@ -1269,7 +1268,7 @@
       </p:sp>
       <p:sp>
         <p:nvSpPr>
-          <p:cNvPr id="357" name="Google Shape;357;g126290804e4_3_0:notes"/>
+          <p:cNvPr id="357" name="Google Shape;357;g126290804e4_0_560:notes"/>
           <p:cNvSpPr txBox="1"/>
           <p:nvPr>
             <p:ph idx="1" type="body"/>
@@ -1333,7 +1332,7 @@
       </p:grpSpPr>
       <p:sp>
         <p:nvSpPr>
-          <p:cNvPr id="362" name="Google Shape;362;g126290804e4_0_560:notes"/>
+          <p:cNvPr id="362" name="Google Shape;362;g126290804e4_0_527:notes"/>
           <p:cNvSpPr/>
           <p:nvPr>
             <p:ph idx="2" type="sldImg"/>
@@ -1368,7 +1367,7 @@
       </p:sp>
       <p:sp>
         <p:nvSpPr>
-          <p:cNvPr id="363" name="Google Shape;363;g126290804e4_0_560:notes"/>
+          <p:cNvPr id="363" name="Google Shape;363;g126290804e4_0_527:notes"/>
           <p:cNvSpPr txBox="1"/>
           <p:nvPr>
             <p:ph idx="1" type="body"/>
@@ -1432,7 +1431,7 @@
       </p:grpSpPr>
       <p:sp>
         <p:nvSpPr>
-          <p:cNvPr id="368" name="Google Shape;368;g126290804e4_0_527:notes"/>
+          <p:cNvPr id="368" name="Google Shape;368;g126290804e4_0_539:notes"/>
           <p:cNvSpPr/>
           <p:nvPr>
             <p:ph idx="2" type="sldImg"/>
@@ -1467,7 +1466,7 @@
       </p:sp>
       <p:sp>
         <p:nvSpPr>
-          <p:cNvPr id="369" name="Google Shape;369;g126290804e4_0_527:notes"/>
+          <p:cNvPr id="369" name="Google Shape;369;g126290804e4_0_539:notes"/>
           <p:cNvSpPr txBox="1"/>
           <p:nvPr>
             <p:ph idx="1" type="body"/>
@@ -1531,7 +1530,7 @@
       </p:grpSpPr>
       <p:sp>
         <p:nvSpPr>
-          <p:cNvPr id="374" name="Google Shape;374;g126290804e4_0_539:notes"/>
+          <p:cNvPr id="374" name="Google Shape;374;g126290804e4_0_533:notes"/>
           <p:cNvSpPr/>
           <p:nvPr>
             <p:ph idx="2" type="sldImg"/>
@@ -1566,7 +1565,7 @@
       </p:sp>
       <p:sp>
         <p:nvSpPr>
-          <p:cNvPr id="375" name="Google Shape;375;g126290804e4_0_539:notes"/>
+          <p:cNvPr id="375" name="Google Shape;375;g126290804e4_0_533:notes"/>
           <p:cNvSpPr txBox="1"/>
           <p:nvPr>
             <p:ph idx="1" type="body"/>
@@ -1630,7 +1629,7 @@
       </p:grpSpPr>
       <p:sp>
         <p:nvSpPr>
-          <p:cNvPr id="380" name="Google Shape;380;g126290804e4_0_533:notes"/>
+          <p:cNvPr id="380" name="Google Shape;380;g12364f86422_2_5:notes"/>
           <p:cNvSpPr/>
           <p:nvPr>
             <p:ph idx="2" type="sldImg"/>
@@ -1665,7 +1664,7 @@
       </p:sp>
       <p:sp>
         <p:nvSpPr>
-          <p:cNvPr id="381" name="Google Shape;381;g126290804e4_0_533:notes"/>
+          <p:cNvPr id="381" name="Google Shape;381;g12364f86422_2_5:notes"/>
           <p:cNvSpPr txBox="1"/>
           <p:nvPr>
             <p:ph idx="1" type="body"/>
@@ -1729,7 +1728,7 @@
       </p:grpSpPr>
       <p:sp>
         <p:nvSpPr>
-          <p:cNvPr id="386" name="Google Shape;386;g12364f86422_2_5:notes"/>
+          <p:cNvPr id="386" name="Google Shape;386;g126290804e4_0_548:notes"/>
           <p:cNvSpPr/>
           <p:nvPr>
             <p:ph idx="2" type="sldImg"/>
@@ -1764,7 +1763,7 @@
       </p:sp>
       <p:sp>
         <p:nvSpPr>
-          <p:cNvPr id="387" name="Google Shape;387;g12364f86422_2_5:notes"/>
+          <p:cNvPr id="387" name="Google Shape;387;g126290804e4_0_548:notes"/>
           <p:cNvSpPr txBox="1"/>
           <p:nvPr>
             <p:ph idx="1" type="body"/>
@@ -1927,7 +1926,7 @@
       </p:grpSpPr>
       <p:sp>
         <p:nvSpPr>
-          <p:cNvPr id="392" name="Google Shape;392;g126290804e4_0_548:notes"/>
+          <p:cNvPr id="392" name="Google Shape;392;g126290804e4_0_554:notes"/>
           <p:cNvSpPr/>
           <p:nvPr>
             <p:ph idx="2" type="sldImg"/>
@@ -1962,106 +1961,7 @@
       </p:sp>
       <p:sp>
         <p:nvSpPr>
-          <p:cNvPr id="393" name="Google Shape;393;g126290804e4_0_548:notes"/>
-          <p:cNvSpPr txBox="1"/>
-          <p:nvPr>
-            <p:ph idx="1" type="body"/>
-          </p:nvPr>
-        </p:nvSpPr>
-        <p:spPr>
-          <a:xfrm>
-            <a:off x="685800" y="4343400"/>
-            <a:ext cx="5486400" cy="4114800"/>
-          </a:xfrm>
-          <a:prstGeom prst="rect">
-            <a:avLst/>
-          </a:prstGeom>
-        </p:spPr>
-        <p:txBody>
-          <a:bodyPr anchorCtr="0" anchor="t" bIns="91425" lIns="91425" spcFirstLastPara="1" rIns="91425" wrap="square" tIns="91425">
-            <a:noAutofit/>
-          </a:bodyPr>
-          <a:lstStyle/>
-          <a:p>
-            <a:pPr indent="0" lvl="0" marL="0" rtl="0" algn="l">
-              <a:spcBef>
-                <a:spcPts val="0"/>
-              </a:spcBef>
-              <a:spcAft>
-                <a:spcPts val="0"/>
-              </a:spcAft>
-              <a:buNone/>
-            </a:pPr>
-            <a:r>
-              <a:t/>
-            </a:r>
-            <a:endParaRPr/>
-          </a:p>
-        </p:txBody>
-      </p:sp>
-    </p:spTree>
-  </p:cSld>
-  <p:clrMapOvr>
-    <a:masterClrMapping/>
-  </p:clrMapOvr>
-</p:notes>
-</file>
-
-<file path=ppt/notesSlides/notesSlide21.xml><?xml version="1.0" encoding="utf-8"?>
-<p:notes xmlns:a="http://schemas.openxmlformats.org/drawingml/2006/main" xmlns:r="http://schemas.openxmlformats.org/officeDocument/2006/relationships" xmlns:mc="http://schemas.openxmlformats.org/markup-compatibility/2006" xmlns:mv="urn:schemas-microsoft-com:mac:vml" xmlns:p="http://schemas.openxmlformats.org/presentationml/2006/main" xmlns:c="http://schemas.openxmlformats.org/drawingml/2006/chart" xmlns:dgm="http://schemas.openxmlformats.org/drawingml/2006/diagram" xmlns:o="urn:schemas-microsoft-com:office:office" xmlns:v="urn:schemas-microsoft-com:vml" xmlns:pvml="urn:schemas-microsoft-com:office:powerpoint" xmlns:com="http://schemas.openxmlformats.org/drawingml/2006/compatibility" xmlns:p14="http://schemas.microsoft.com/office/powerpoint/2010/main" xmlns:p15="http://schemas.microsoft.com/office/powerpoint/2012/main" xmlns:ahyp="http://schemas.microsoft.com/office/drawing/2018/hyperlinkcolor" showMasterPhAnim="0" showMasterSp="0">
-  <p:cSld>
-    <p:spTree>
-      <p:nvGrpSpPr>
-        <p:cNvPr id="397" name="Shape 397"/>
-        <p:cNvGrpSpPr/>
-        <p:nvPr/>
-      </p:nvGrpSpPr>
-      <p:grpSpPr>
-        <a:xfrm>
-          <a:off x="0" y="0"/>
-          <a:ext cx="0" cy="0"/>
-          <a:chOff x="0" y="0"/>
-          <a:chExt cx="0" cy="0"/>
-        </a:xfrm>
-      </p:grpSpPr>
-      <p:sp>
-        <p:nvSpPr>
-          <p:cNvPr id="398" name="Google Shape;398;g126290804e4_0_554:notes"/>
-          <p:cNvSpPr/>
-          <p:nvPr>
-            <p:ph idx="2" type="sldImg"/>
-          </p:nvPr>
-        </p:nvSpPr>
-        <p:spPr>
-          <a:xfrm>
-            <a:off x="381300" y="685800"/>
-            <a:ext cx="6096000" cy="3429000"/>
-          </a:xfrm>
-          <a:custGeom>
-            <a:rect b="b" l="l" r="r" t="t"/>
-            <a:pathLst>
-              <a:path extrusionOk="0" h="120000" w="120000">
-                <a:moveTo>
-                  <a:pt x="0" y="0"/>
-                </a:moveTo>
-                <a:lnTo>
-                  <a:pt x="120000" y="0"/>
-                </a:lnTo>
-                <a:lnTo>
-                  <a:pt x="120000" y="120000"/>
-                </a:lnTo>
-                <a:lnTo>
-                  <a:pt x="0" y="120000"/>
-                </a:lnTo>
-                <a:close/>
-              </a:path>
-            </a:pathLst>
-          </a:custGeom>
-        </p:spPr>
-      </p:sp>
-      <p:sp>
-        <p:nvSpPr>
-          <p:cNvPr id="399" name="Google Shape;399;g126290804e4_0_554:notes"/>
+          <p:cNvPr id="393" name="Google Shape;393;g126290804e4_0_554:notes"/>
           <p:cNvSpPr txBox="1"/>
           <p:nvPr>
             <p:ph idx="1" type="body"/>
@@ -17574,7 +17474,7 @@
         </p:spPr>
         <p:txBody>
           <a:bodyPr anchorCtr="0" anchor="t" bIns="91425" lIns="91425" spcFirstLastPara="1" rIns="91425" wrap="square" tIns="91425">
-            <a:normAutofit/>
+            <a:normAutofit fontScale="90000"/>
           </a:bodyPr>
           <a:lstStyle/>
           <a:p>
@@ -17589,7 +17489,7 @@
             </a:pPr>
             <a:r>
               <a:rPr lang="en"/>
-              <a:t>Screenshots: Divide Dataset</a:t>
+              <a:t>Screenshots: Manager Dashboard - Processing Dataset Details</a:t>
             </a:r>
             <a:endParaRPr/>
           </a:p>
@@ -17611,8 +17511,8 @@
         </p:blipFill>
         <p:spPr>
           <a:xfrm>
-            <a:off x="1527638" y="1497150"/>
-            <a:ext cx="6582818" cy="3240826"/>
+            <a:off x="1319625" y="1748650"/>
+            <a:ext cx="6504749" cy="2867826"/>
           </a:xfrm>
           <a:prstGeom prst="rect">
             <a:avLst/>
@@ -17682,7 +17582,7 @@
             </a:pPr>
             <a:r>
               <a:rPr lang="en"/>
-              <a:t>Screenshots: Manager Dashboard - Processing Dataset Details</a:t>
+              <a:t>Screenshots: Manager Dashboard - Processed</a:t>
             </a:r>
             <a:endParaRPr/>
           </a:p>
@@ -17694,18 +17594,17 @@
           <p:cNvPicPr preferRelativeResize="0"/>
           <p:nvPr/>
         </p:nvPicPr>
-        <p:blipFill>
+        <p:blipFill rotWithShape="1">
           <a:blip r:embed="rId3">
             <a:alphaModFix/>
           </a:blip>
-          <a:stretch>
-            <a:fillRect/>
-          </a:stretch>
+          <a:srcRect b="27582" l="0" r="0" t="7851"/>
+          <a:stretch/>
         </p:blipFill>
         <p:spPr>
           <a:xfrm>
-            <a:off x="1319625" y="1748650"/>
-            <a:ext cx="6504749" cy="2867826"/>
+            <a:off x="936525" y="1465375"/>
+            <a:ext cx="7649376" cy="2778200"/>
           </a:xfrm>
           <a:prstGeom prst="rect">
             <a:avLst/>
@@ -17760,7 +17659,7 @@
         </p:spPr>
         <p:txBody>
           <a:bodyPr anchorCtr="0" anchor="t" bIns="91425" lIns="91425" spcFirstLastPara="1" rIns="91425" wrap="square" tIns="91425">
-            <a:normAutofit fontScale="90000"/>
+            <a:normAutofit/>
           </a:bodyPr>
           <a:lstStyle/>
           <a:p>
@@ -17775,7 +17674,7 @@
             </a:pPr>
             <a:r>
               <a:rPr lang="en"/>
-              <a:t>Screenshots: Manager Dashboard - Processed</a:t>
+              <a:t>Screenshots: Employee Dashboard</a:t>
             </a:r>
             <a:endParaRPr/>
           </a:p>
@@ -17787,17 +17686,18 @@
           <p:cNvPicPr preferRelativeResize="0"/>
           <p:nvPr/>
         </p:nvPicPr>
-        <p:blipFill rotWithShape="1">
+        <p:blipFill>
           <a:blip r:embed="rId3">
             <a:alphaModFix/>
           </a:blip>
-          <a:srcRect b="27582" l="0" r="0" t="7851"/>
-          <a:stretch/>
+          <a:stretch>
+            <a:fillRect/>
+          </a:stretch>
         </p:blipFill>
         <p:spPr>
           <a:xfrm>
-            <a:off x="936525" y="1465375"/>
-            <a:ext cx="7649376" cy="2778200"/>
+            <a:off x="1273550" y="1597875"/>
+            <a:ext cx="6596898" cy="3240827"/>
           </a:xfrm>
           <a:prstGeom prst="rect">
             <a:avLst/>
@@ -17867,7 +17767,7 @@
             </a:pPr>
             <a:r>
               <a:rPr lang="en"/>
-              <a:t>Screenshots: Employee Dashboard</a:t>
+              <a:t>Screenshots: Employee Dataset Details</a:t>
             </a:r>
             <a:endParaRPr/>
           </a:p>
@@ -17889,8 +17789,8 @@
         </p:blipFill>
         <p:spPr>
           <a:xfrm>
-            <a:off x="1273550" y="1597875"/>
-            <a:ext cx="6596898" cy="3240827"/>
+            <a:off x="1224938" y="1597874"/>
+            <a:ext cx="7188224" cy="1574325"/>
           </a:xfrm>
           <a:prstGeom prst="rect">
             <a:avLst/>
@@ -17945,7 +17845,7 @@
         </p:spPr>
         <p:txBody>
           <a:bodyPr anchorCtr="0" anchor="t" bIns="91425" lIns="91425" spcFirstLastPara="1" rIns="91425" wrap="square" tIns="91425">
-            <a:normAutofit/>
+            <a:normAutofit fontScale="90000"/>
           </a:bodyPr>
           <a:lstStyle/>
           <a:p>
@@ -17960,7 +17860,7 @@
             </a:pPr>
             <a:r>
               <a:rPr lang="en"/>
-              <a:t>Screenshots: Employee Dataset Details</a:t>
+              <a:t>Screenshots: Employee Dashboard - Verified</a:t>
             </a:r>
             <a:endParaRPr/>
           </a:p>
@@ -17982,8 +17882,8 @@
         </p:blipFill>
         <p:spPr>
           <a:xfrm>
-            <a:off x="1224938" y="1597874"/>
-            <a:ext cx="7188224" cy="1574325"/>
+            <a:off x="679200" y="1597876"/>
+            <a:ext cx="7785601" cy="1780850"/>
           </a:xfrm>
           <a:prstGeom prst="rect">
             <a:avLst/>
@@ -18038,7 +17938,7 @@
         </p:spPr>
         <p:txBody>
           <a:bodyPr anchorCtr="0" anchor="t" bIns="91425" lIns="91425" spcFirstLastPara="1" rIns="91425" wrap="square" tIns="91425">
-            <a:normAutofit fontScale="90000"/>
+            <a:normAutofit/>
           </a:bodyPr>
           <a:lstStyle/>
           <a:p>
@@ -18053,40 +17953,116 @@
             </a:pPr>
             <a:r>
               <a:rPr lang="en"/>
-              <a:t>Screenshots: Employee Dashboard - Verified</a:t>
+              <a:t>Individual Contribution</a:t>
             </a:r>
             <a:endParaRPr/>
           </a:p>
         </p:txBody>
       </p:sp>
-      <p:pic>
-        <p:nvPicPr>
+      <p:sp>
+        <p:nvSpPr>
           <p:cNvPr id="384" name="Google Shape;384;p30"/>
-          <p:cNvPicPr preferRelativeResize="0"/>
-          <p:nvPr/>
-        </p:nvPicPr>
-        <p:blipFill>
-          <a:blip r:embed="rId3">
-            <a:alphaModFix/>
-          </a:blip>
-          <a:stretch>
-            <a:fillRect/>
-          </a:stretch>
-        </p:blipFill>
+          <p:cNvSpPr txBox="1"/>
+          <p:nvPr>
+            <p:ph idx="1" type="body"/>
+          </p:nvPr>
+        </p:nvSpPr>
         <p:spPr>
           <a:xfrm>
-            <a:off x="679200" y="1597876"/>
-            <a:ext cx="7785601" cy="1780850"/>
+            <a:off x="1303800" y="1726650"/>
+            <a:ext cx="7030500" cy="2787600"/>
           </a:xfrm>
           <a:prstGeom prst="rect">
             <a:avLst/>
           </a:prstGeom>
-          <a:noFill/>
-          <a:ln>
-            <a:noFill/>
-          </a:ln>
         </p:spPr>
-      </p:pic>
+        <p:txBody>
+          <a:bodyPr anchorCtr="0" anchor="t" bIns="91425" lIns="91425" spcFirstLastPara="1" rIns="91425" wrap="square" tIns="91425">
+            <a:normAutofit/>
+          </a:bodyPr>
+          <a:lstStyle/>
+          <a:p>
+            <a:pPr indent="-311150" lvl="0" marL="457200" rtl="0" algn="l">
+              <a:lnSpc>
+                <a:spcPct val="150000"/>
+              </a:lnSpc>
+              <a:spcBef>
+                <a:spcPts val="0"/>
+              </a:spcBef>
+              <a:spcAft>
+                <a:spcPts val="0"/>
+              </a:spcAft>
+              <a:buSzPts val="1300"/>
+              <a:buChar char="●"/>
+            </a:pPr>
+            <a:r>
+              <a:rPr lang="en"/>
+              <a:t>Avi Agarwal</a:t>
+            </a:r>
+            <a:endParaRPr/>
+          </a:p>
+          <a:p>
+            <a:pPr indent="-298450" lvl="1" marL="914400" rtl="0" algn="l">
+              <a:lnSpc>
+                <a:spcPct val="150000"/>
+              </a:lnSpc>
+              <a:spcBef>
+                <a:spcPts val="0"/>
+              </a:spcBef>
+              <a:spcAft>
+                <a:spcPts val="0"/>
+              </a:spcAft>
+              <a:buSzPts val="1100"/>
+              <a:buChar char="○"/>
+            </a:pPr>
+            <a:r>
+              <a:rPr lang="en"/>
+              <a:t>UI.</a:t>
+            </a:r>
+            <a:endParaRPr/>
+          </a:p>
+          <a:p>
+            <a:pPr indent="-298450" lvl="1" marL="914400" rtl="0" algn="l">
+              <a:lnSpc>
+                <a:spcPct val="150000"/>
+              </a:lnSpc>
+              <a:spcBef>
+                <a:spcPts val="0"/>
+              </a:spcBef>
+              <a:spcAft>
+                <a:spcPts val="0"/>
+              </a:spcAft>
+              <a:buSzPts val="1100"/>
+              <a:buChar char="○"/>
+            </a:pPr>
+            <a:r>
+              <a:rPr lang="en"/>
+              <a:t>Material-UI.</a:t>
+            </a:r>
+            <a:endParaRPr/>
+          </a:p>
+          <a:p>
+            <a:pPr indent="-298450" lvl="1" marL="914400" rtl="0" algn="l">
+              <a:lnSpc>
+                <a:spcPct val="150000"/>
+              </a:lnSpc>
+              <a:spcBef>
+                <a:spcPts val="0"/>
+              </a:spcBef>
+              <a:spcAft>
+                <a:spcPts val="0"/>
+              </a:spcAft>
+              <a:buSzPts val="1100"/>
+              <a:buChar char="○"/>
+            </a:pPr>
+            <a:r>
+              <a:rPr lang="en"/>
+              <a:t>Frontend tweaks and testing.</a:t>
+            </a:r>
+            <a:endParaRPr/>
+          </a:p>
+        </p:txBody>
+      </p:sp>
     </p:spTree>
   </p:cSld>
   <p:clrMapOvr>
@@ -18190,7 +18166,7 @@
             </a:pPr>
             <a:r>
               <a:rPr lang="en"/>
-              <a:t>Avi Agarwal</a:t>
+              <a:t>Prashant Raj</a:t>
             </a:r>
             <a:endParaRPr/>
           </a:p>
@@ -18210,7 +18186,7 @@
             </a:pPr>
             <a:r>
               <a:rPr lang="en"/>
-              <a:t>UI.</a:t>
+              <a:t>Login Page UI structure.</a:t>
             </a:r>
             <a:endParaRPr/>
           </a:p>
@@ -18230,7 +18206,7 @@
             </a:pPr>
             <a:r>
               <a:rPr lang="en"/>
-              <a:t>Material-UI.</a:t>
+              <a:t>Dataset Info page UI structure.</a:t>
             </a:r>
             <a:endParaRPr/>
           </a:p>
@@ -18250,7 +18226,127 @@
             </a:pPr>
             <a:r>
               <a:rPr lang="en"/>
-              <a:t>Frontend tweaks and testing.</a:t>
+              <a:t>Divide Dataset page UI structure.</a:t>
+            </a:r>
+            <a:endParaRPr/>
+          </a:p>
+          <a:p>
+            <a:pPr indent="-298450" lvl="1" marL="914400" rtl="0" algn="l">
+              <a:lnSpc>
+                <a:spcPct val="150000"/>
+              </a:lnSpc>
+              <a:spcBef>
+                <a:spcPts val="0"/>
+              </a:spcBef>
+              <a:spcAft>
+                <a:spcPts val="0"/>
+              </a:spcAft>
+              <a:buSzPts val="1100"/>
+              <a:buChar char="○"/>
+            </a:pPr>
+            <a:r>
+              <a:rPr lang="en"/>
+              <a:t>Backend migration to MySQL from MongoDB.</a:t>
+            </a:r>
+            <a:endParaRPr/>
+          </a:p>
+          <a:p>
+            <a:pPr indent="-298450" lvl="1" marL="914400" rtl="0" algn="l">
+              <a:lnSpc>
+                <a:spcPct val="150000"/>
+              </a:lnSpc>
+              <a:spcBef>
+                <a:spcPts val="0"/>
+              </a:spcBef>
+              <a:spcAft>
+                <a:spcPts val="0"/>
+              </a:spcAft>
+              <a:buSzPts val="1100"/>
+              <a:buChar char="○"/>
+            </a:pPr>
+            <a:r>
+              <a:rPr lang="en"/>
+              <a:t>Backend code to handle unzipping and extraction of files into relevant folders.</a:t>
+            </a:r>
+            <a:endParaRPr/>
+          </a:p>
+          <a:p>
+            <a:pPr indent="-298450" lvl="1" marL="914400" rtl="0" algn="l">
+              <a:lnSpc>
+                <a:spcPct val="150000"/>
+              </a:lnSpc>
+              <a:spcBef>
+                <a:spcPts val="0"/>
+              </a:spcBef>
+              <a:spcAft>
+                <a:spcPts val="0"/>
+              </a:spcAft>
+              <a:buSzPts val="1100"/>
+              <a:buChar char="○"/>
+            </a:pPr>
+            <a:r>
+              <a:rPr lang="en"/>
+              <a:t>Backend code to populate MySQL tables with extracted file records for every new dataset.</a:t>
+            </a:r>
+            <a:endParaRPr/>
+          </a:p>
+          <a:p>
+            <a:pPr indent="-298450" lvl="1" marL="914400" rtl="0" algn="l">
+              <a:lnSpc>
+                <a:spcPct val="150000"/>
+              </a:lnSpc>
+              <a:spcBef>
+                <a:spcPts val="0"/>
+              </a:spcBef>
+              <a:spcAft>
+                <a:spcPts val="0"/>
+              </a:spcAft>
+              <a:buSzPts val="1100"/>
+              <a:buChar char="○"/>
+            </a:pPr>
+            <a:r>
+              <a:rPr lang="en"/>
+              <a:t>React frontend integration with node backend through API calls.</a:t>
+            </a:r>
+            <a:endParaRPr/>
+          </a:p>
+          <a:p>
+            <a:pPr indent="-298450" lvl="1" marL="914400" rtl="0" algn="l">
+              <a:lnSpc>
+                <a:spcPct val="150000"/>
+              </a:lnSpc>
+              <a:spcBef>
+                <a:spcPts val="0"/>
+              </a:spcBef>
+              <a:spcAft>
+                <a:spcPts val="0"/>
+              </a:spcAft>
+              <a:buSzPts val="1100"/>
+              <a:buChar char="○"/>
+            </a:pPr>
+            <a:r>
+              <a:rPr lang="en"/>
+              <a:t>Divide Dataset priority based employee display.</a:t>
+            </a:r>
+            <a:endParaRPr/>
+          </a:p>
+          <a:p>
+            <a:pPr indent="-298450" lvl="1" marL="914400" rtl="0" algn="l">
+              <a:lnSpc>
+                <a:spcPct val="150000"/>
+              </a:lnSpc>
+              <a:spcBef>
+                <a:spcPts val="0"/>
+              </a:spcBef>
+              <a:spcAft>
+                <a:spcPts val="0"/>
+              </a:spcAft>
+              <a:buSzPts val="1100"/>
+              <a:buChar char="○"/>
+            </a:pPr>
+            <a:r>
+              <a:rPr lang="en"/>
+              <a:t>Manager Dashboard changing status from processing to processed based on database entry.</a:t>
             </a:r>
             <a:endParaRPr/>
           </a:p>
@@ -18481,295 +18577,6 @@
       <p:sp>
         <p:nvSpPr>
           <p:cNvPr id="396" name="Google Shape;396;p32"/>
-          <p:cNvSpPr txBox="1"/>
-          <p:nvPr>
-            <p:ph idx="1" type="body"/>
-          </p:nvPr>
-        </p:nvSpPr>
-        <p:spPr>
-          <a:xfrm>
-            <a:off x="1303800" y="1726650"/>
-            <a:ext cx="7030500" cy="2787600"/>
-          </a:xfrm>
-          <a:prstGeom prst="rect">
-            <a:avLst/>
-          </a:prstGeom>
-        </p:spPr>
-        <p:txBody>
-          <a:bodyPr anchorCtr="0" anchor="t" bIns="91425" lIns="91425" spcFirstLastPara="1" rIns="91425" wrap="square" tIns="91425">
-            <a:normAutofit/>
-          </a:bodyPr>
-          <a:lstStyle/>
-          <a:p>
-            <a:pPr indent="-311150" lvl="0" marL="457200" rtl="0" algn="l">
-              <a:lnSpc>
-                <a:spcPct val="150000"/>
-              </a:lnSpc>
-              <a:spcBef>
-                <a:spcPts val="0"/>
-              </a:spcBef>
-              <a:spcAft>
-                <a:spcPts val="0"/>
-              </a:spcAft>
-              <a:buSzPts val="1300"/>
-              <a:buChar char="●"/>
-            </a:pPr>
-            <a:r>
-              <a:rPr lang="en"/>
-              <a:t>Prashant Raj</a:t>
-            </a:r>
-            <a:endParaRPr/>
-          </a:p>
-          <a:p>
-            <a:pPr indent="-298450" lvl="1" marL="914400" rtl="0" algn="l">
-              <a:lnSpc>
-                <a:spcPct val="150000"/>
-              </a:lnSpc>
-              <a:spcBef>
-                <a:spcPts val="0"/>
-              </a:spcBef>
-              <a:spcAft>
-                <a:spcPts val="0"/>
-              </a:spcAft>
-              <a:buSzPts val="1100"/>
-              <a:buChar char="○"/>
-            </a:pPr>
-            <a:r>
-              <a:rPr lang="en"/>
-              <a:t>Login Page UI structure.</a:t>
-            </a:r>
-            <a:endParaRPr/>
-          </a:p>
-          <a:p>
-            <a:pPr indent="-298450" lvl="1" marL="914400" rtl="0" algn="l">
-              <a:lnSpc>
-                <a:spcPct val="150000"/>
-              </a:lnSpc>
-              <a:spcBef>
-                <a:spcPts val="0"/>
-              </a:spcBef>
-              <a:spcAft>
-                <a:spcPts val="0"/>
-              </a:spcAft>
-              <a:buSzPts val="1100"/>
-              <a:buChar char="○"/>
-            </a:pPr>
-            <a:r>
-              <a:rPr lang="en"/>
-              <a:t>Dataset Info page UI structure.</a:t>
-            </a:r>
-            <a:endParaRPr/>
-          </a:p>
-          <a:p>
-            <a:pPr indent="-298450" lvl="1" marL="914400" rtl="0" algn="l">
-              <a:lnSpc>
-                <a:spcPct val="150000"/>
-              </a:lnSpc>
-              <a:spcBef>
-                <a:spcPts val="0"/>
-              </a:spcBef>
-              <a:spcAft>
-                <a:spcPts val="0"/>
-              </a:spcAft>
-              <a:buSzPts val="1100"/>
-              <a:buChar char="○"/>
-            </a:pPr>
-            <a:r>
-              <a:rPr lang="en"/>
-              <a:t>Divide Dataset page UI structure.</a:t>
-            </a:r>
-            <a:endParaRPr/>
-          </a:p>
-          <a:p>
-            <a:pPr indent="-298450" lvl="1" marL="914400" rtl="0" algn="l">
-              <a:lnSpc>
-                <a:spcPct val="150000"/>
-              </a:lnSpc>
-              <a:spcBef>
-                <a:spcPts val="0"/>
-              </a:spcBef>
-              <a:spcAft>
-                <a:spcPts val="0"/>
-              </a:spcAft>
-              <a:buSzPts val="1100"/>
-              <a:buChar char="○"/>
-            </a:pPr>
-            <a:r>
-              <a:rPr lang="en"/>
-              <a:t>Backend migration to MySQL from MongoDB.</a:t>
-            </a:r>
-            <a:endParaRPr/>
-          </a:p>
-          <a:p>
-            <a:pPr indent="-298450" lvl="1" marL="914400" rtl="0" algn="l">
-              <a:lnSpc>
-                <a:spcPct val="150000"/>
-              </a:lnSpc>
-              <a:spcBef>
-                <a:spcPts val="0"/>
-              </a:spcBef>
-              <a:spcAft>
-                <a:spcPts val="0"/>
-              </a:spcAft>
-              <a:buSzPts val="1100"/>
-              <a:buChar char="○"/>
-            </a:pPr>
-            <a:r>
-              <a:rPr lang="en"/>
-              <a:t>Backend code to handle unzipping and extraction of files into relevant folders.</a:t>
-            </a:r>
-            <a:endParaRPr/>
-          </a:p>
-          <a:p>
-            <a:pPr indent="-298450" lvl="1" marL="914400" rtl="0" algn="l">
-              <a:lnSpc>
-                <a:spcPct val="150000"/>
-              </a:lnSpc>
-              <a:spcBef>
-                <a:spcPts val="0"/>
-              </a:spcBef>
-              <a:spcAft>
-                <a:spcPts val="0"/>
-              </a:spcAft>
-              <a:buSzPts val="1100"/>
-              <a:buChar char="○"/>
-            </a:pPr>
-            <a:r>
-              <a:rPr lang="en"/>
-              <a:t>Backend code to populate MySQL tables with extracted file records for every new dataset.</a:t>
-            </a:r>
-            <a:endParaRPr/>
-          </a:p>
-          <a:p>
-            <a:pPr indent="-298450" lvl="1" marL="914400" rtl="0" algn="l">
-              <a:lnSpc>
-                <a:spcPct val="150000"/>
-              </a:lnSpc>
-              <a:spcBef>
-                <a:spcPts val="0"/>
-              </a:spcBef>
-              <a:spcAft>
-                <a:spcPts val="0"/>
-              </a:spcAft>
-              <a:buSzPts val="1100"/>
-              <a:buChar char="○"/>
-            </a:pPr>
-            <a:r>
-              <a:rPr lang="en"/>
-              <a:t>React frontend integration with node backend through API calls.</a:t>
-            </a:r>
-            <a:endParaRPr/>
-          </a:p>
-          <a:p>
-            <a:pPr indent="-298450" lvl="1" marL="914400" rtl="0" algn="l">
-              <a:lnSpc>
-                <a:spcPct val="150000"/>
-              </a:lnSpc>
-              <a:spcBef>
-                <a:spcPts val="0"/>
-              </a:spcBef>
-              <a:spcAft>
-                <a:spcPts val="0"/>
-              </a:spcAft>
-              <a:buSzPts val="1100"/>
-              <a:buChar char="○"/>
-            </a:pPr>
-            <a:r>
-              <a:rPr lang="en"/>
-              <a:t>Divide Dataset priority based employee display.</a:t>
-            </a:r>
-            <a:endParaRPr/>
-          </a:p>
-          <a:p>
-            <a:pPr indent="-298450" lvl="1" marL="914400" rtl="0" algn="l">
-              <a:lnSpc>
-                <a:spcPct val="150000"/>
-              </a:lnSpc>
-              <a:spcBef>
-                <a:spcPts val="0"/>
-              </a:spcBef>
-              <a:spcAft>
-                <a:spcPts val="0"/>
-              </a:spcAft>
-              <a:buSzPts val="1100"/>
-              <a:buChar char="○"/>
-            </a:pPr>
-            <a:r>
-              <a:rPr lang="en"/>
-              <a:t>Manager Dashboard changing status from processing to processed based on database entry.</a:t>
-            </a:r>
-            <a:endParaRPr/>
-          </a:p>
-        </p:txBody>
-      </p:sp>
-    </p:spTree>
-  </p:cSld>
-  <p:clrMapOvr>
-    <a:masterClrMapping/>
-  </p:clrMapOvr>
-</p:sld>
-</file>
-
-<file path=ppt/slides/slide21.xml><?xml version="1.0" encoding="utf-8"?>
-<p:sld xmlns:a="http://schemas.openxmlformats.org/drawingml/2006/main" xmlns:r="http://schemas.openxmlformats.org/officeDocument/2006/relationships" xmlns:mc="http://schemas.openxmlformats.org/markup-compatibility/2006" xmlns:mv="urn:schemas-microsoft-com:mac:vml" xmlns:p="http://schemas.openxmlformats.org/presentationml/2006/main" xmlns:c="http://schemas.openxmlformats.org/drawingml/2006/chart" xmlns:dgm="http://schemas.openxmlformats.org/drawingml/2006/diagram" xmlns:o="urn:schemas-microsoft-com:office:office" xmlns:v="urn:schemas-microsoft-com:vml" xmlns:pvml="urn:schemas-microsoft-com:office:powerpoint" xmlns:com="http://schemas.openxmlformats.org/drawingml/2006/compatibility" xmlns:p14="http://schemas.microsoft.com/office/powerpoint/2010/main" xmlns:p15="http://schemas.microsoft.com/office/powerpoint/2012/main" xmlns:ahyp="http://schemas.microsoft.com/office/drawing/2018/hyperlinkcolor">
-  <p:cSld>
-    <p:spTree>
-      <p:nvGrpSpPr>
-        <p:cNvPr id="400" name="Shape 400"/>
-        <p:cNvGrpSpPr/>
-        <p:nvPr/>
-      </p:nvGrpSpPr>
-      <p:grpSpPr>
-        <a:xfrm>
-          <a:off x="0" y="0"/>
-          <a:ext cx="0" cy="0"/>
-          <a:chOff x="0" y="0"/>
-          <a:chExt cx="0" cy="0"/>
-        </a:xfrm>
-      </p:grpSpPr>
-      <p:sp>
-        <p:nvSpPr>
-          <p:cNvPr id="401" name="Google Shape;401;p33"/>
-          <p:cNvSpPr txBox="1"/>
-          <p:nvPr>
-            <p:ph type="title"/>
-          </p:nvPr>
-        </p:nvSpPr>
-        <p:spPr>
-          <a:xfrm>
-            <a:off x="1303800" y="598575"/>
-            <a:ext cx="7030500" cy="999300"/>
-          </a:xfrm>
-          <a:prstGeom prst="rect">
-            <a:avLst/>
-          </a:prstGeom>
-        </p:spPr>
-        <p:txBody>
-          <a:bodyPr anchorCtr="0" anchor="t" bIns="91425" lIns="91425" spcFirstLastPara="1" rIns="91425" wrap="square" tIns="91425">
-            <a:normAutofit/>
-          </a:bodyPr>
-          <a:lstStyle/>
-          <a:p>
-            <a:pPr indent="0" lvl="0" marL="0" rtl="0" algn="ctr">
-              <a:spcBef>
-                <a:spcPts val="0"/>
-              </a:spcBef>
-              <a:spcAft>
-                <a:spcPts val="0"/>
-              </a:spcAft>
-              <a:buNone/>
-            </a:pPr>
-            <a:r>
-              <a:rPr lang="en"/>
-              <a:t>Individual Contribution</a:t>
-            </a:r>
-            <a:endParaRPr/>
-          </a:p>
-        </p:txBody>
-      </p:sp>
-      <p:sp>
-        <p:nvSpPr>
-          <p:cNvPr id="402" name="Google Shape;402;p33"/>
           <p:cNvSpPr txBox="1"/>
           <p:nvPr>
             <p:ph idx="1" type="body"/>
@@ -20087,6 +19894,285 @@
 </file>
 
 <file path=ppt/theme/theme1.xml><?xml version="1.0" encoding="utf-8"?>
+<a:theme xmlns:a="http://schemas.openxmlformats.org/drawingml/2006/main" xmlns:r="http://schemas.openxmlformats.org/officeDocument/2006/relationships" name="Momentum">
+  <a:themeElements>
+    <a:clrScheme name="Momentum">
+      <a:dk1>
+        <a:srgbClr val="C0791B"/>
+      </a:dk1>
+      <a:lt1>
+        <a:srgbClr val="FFFFFF"/>
+      </a:lt1>
+      <a:dk2>
+        <a:srgbClr val="424242"/>
+      </a:dk2>
+      <a:lt2>
+        <a:srgbClr val="8DD8D3"/>
+      </a:lt2>
+      <a:accent1>
+        <a:srgbClr val="0B6374"/>
+      </a:accent1>
+      <a:accent2>
+        <a:srgbClr val="FD5B58"/>
+      </a:accent2>
+      <a:accent3>
+        <a:srgbClr val="599191"/>
+      </a:accent3>
+      <a:accent4>
+        <a:srgbClr val="D7E6A3"/>
+      </a:accent4>
+      <a:accent5>
+        <a:srgbClr val="27278B"/>
+      </a:accent5>
+      <a:accent6>
+        <a:srgbClr val="D558AB"/>
+      </a:accent6>
+      <a:hlink>
+        <a:srgbClr val="27278B"/>
+      </a:hlink>
+      <a:folHlink>
+        <a:srgbClr val="27278B"/>
+      </a:folHlink>
+    </a:clrScheme>
+    <a:fontScheme name="Office">
+      <a:majorFont>
+        <a:latin typeface="Arial"/>
+        <a:ea typeface=""/>
+        <a:cs typeface=""/>
+        <a:font script="Jpan" typeface="ＭＳ Ｐゴシック"/>
+        <a:font script="Hang" typeface="맑은 고딕"/>
+        <a:font script="Hans" typeface="宋体"/>
+        <a:font script="Hant" typeface="新細明體"/>
+        <a:font script="Arab" typeface="Times New Roman"/>
+        <a:font script="Hebr" typeface="Times New Roman"/>
+        <a:font script="Thai" typeface="Angsana New"/>
+        <a:font script="Ethi" typeface="Nyala"/>
+        <a:font script="Beng" typeface="Vrinda"/>
+        <a:font script="Gujr" typeface="Shruti"/>
+        <a:font script="Khmr" typeface="MoolBoran"/>
+        <a:font script="Knda" typeface="Tunga"/>
+        <a:font script="Guru" typeface="Raavi"/>
+        <a:font script="Cans" typeface="Euphemia"/>
+        <a:font script="Cher" typeface="Plantagenet Cherokee"/>
+        <a:font script="Yiii" typeface="Microsoft Yi Baiti"/>
+        <a:font script="Tibt" typeface="Microsoft Himalaya"/>
+        <a:font script="Thaa" typeface="MV Boli"/>
+        <a:font script="Deva" typeface="Mangal"/>
+        <a:font script="Telu" typeface="Gautami"/>
+        <a:font script="Taml" typeface="Latha"/>
+        <a:font script="Syrc" typeface="Estrangelo Edessa"/>
+        <a:font script="Orya" typeface="Kalinga"/>
+        <a:font script="Mlym" typeface="Kartika"/>
+        <a:font script="Laoo" typeface="DokChampa"/>
+        <a:font script="Sinh" typeface="Iskoola Pota"/>
+        <a:font script="Mong" typeface="Mongolian Baiti"/>
+        <a:font script="Viet" typeface="Times New Roman"/>
+        <a:font script="Uigh" typeface="Microsoft Uighur"/>
+        <a:font script="Geor" typeface="Sylfaen"/>
+      </a:majorFont>
+      <a:minorFont>
+        <a:latin typeface="Arial"/>
+        <a:ea typeface=""/>
+        <a:cs typeface=""/>
+        <a:font script="Jpan" typeface="ＭＳ Ｐゴシック"/>
+        <a:font script="Hang" typeface="맑은 고딕"/>
+        <a:font script="Hans" typeface="宋体"/>
+        <a:font script="Hant" typeface="新細明體"/>
+        <a:font script="Arab" typeface="Arial"/>
+        <a:font script="Hebr" typeface="Arial"/>
+        <a:font script="Thai" typeface="Cordia New"/>
+        <a:font script="Ethi" typeface="Nyala"/>
+        <a:font script="Beng" typeface="Vrinda"/>
+        <a:font script="Gujr" typeface="Shruti"/>
+        <a:font script="Khmr" typeface="DaunPenh"/>
+        <a:font script="Knda" typeface="Tunga"/>
+        <a:font script="Guru" typeface="Raavi"/>
+        <a:font script="Cans" typeface="Euphemia"/>
+        <a:font script="Cher" typeface="Plantagenet Cherokee"/>
+        <a:font script="Yiii" typeface="Microsoft Yi Baiti"/>
+        <a:font script="Tibt" typeface="Microsoft Himalaya"/>
+        <a:font script="Thaa" typeface="MV Boli"/>
+        <a:font script="Deva" typeface="Mangal"/>
+        <a:font script="Telu" typeface="Gautami"/>
+        <a:font script="Taml" typeface="Latha"/>
+        <a:font script="Syrc" typeface="Estrangelo Edessa"/>
+        <a:font script="Orya" typeface="Kalinga"/>
+        <a:font script="Mlym" typeface="Kartika"/>
+        <a:font script="Laoo" typeface="DokChampa"/>
+        <a:font script="Sinh" typeface="Iskoola Pota"/>
+        <a:font script="Mong" typeface="Mongolian Baiti"/>
+        <a:font script="Viet" typeface="Arial"/>
+        <a:font script="Uigh" typeface="Microsoft Uighur"/>
+        <a:font script="Geor" typeface="Sylfaen"/>
+      </a:minorFont>
+    </a:fontScheme>
+    <a:fmtScheme name="Office">
+      <a:fillStyleLst>
+        <a:solidFill>
+          <a:schemeClr val="phClr"/>
+        </a:solidFill>
+        <a:gradFill rotWithShape="1">
+          <a:gsLst>
+            <a:gs pos="0">
+              <a:schemeClr val="phClr">
+                <a:tint val="50000"/>
+                <a:satMod val="300000"/>
+              </a:schemeClr>
+            </a:gs>
+            <a:gs pos="35000">
+              <a:schemeClr val="phClr">
+                <a:tint val="37000"/>
+                <a:satMod val="300000"/>
+              </a:schemeClr>
+            </a:gs>
+            <a:gs pos="100000">
+              <a:schemeClr val="phClr">
+                <a:tint val="15000"/>
+                <a:satMod val="350000"/>
+              </a:schemeClr>
+            </a:gs>
+          </a:gsLst>
+          <a:lin ang="16200000" scaled="1"/>
+        </a:gradFill>
+        <a:gradFill rotWithShape="1">
+          <a:gsLst>
+            <a:gs pos="0">
+              <a:schemeClr val="phClr">
+                <a:tint val="100000"/>
+                <a:shade val="100000"/>
+                <a:satMod val="130000"/>
+              </a:schemeClr>
+            </a:gs>
+            <a:gs pos="100000">
+              <a:schemeClr val="phClr">
+                <a:tint val="50000"/>
+                <a:shade val="100000"/>
+                <a:satMod val="350000"/>
+              </a:schemeClr>
+            </a:gs>
+          </a:gsLst>
+          <a:lin ang="16200000" scaled="0"/>
+        </a:gradFill>
+      </a:fillStyleLst>
+      <a:lnStyleLst>
+        <a:ln w="9525" cap="flat" cmpd="sng" algn="ctr">
+          <a:solidFill>
+            <a:schemeClr val="phClr">
+              <a:shade val="95000"/>
+              <a:satMod val="105000"/>
+            </a:schemeClr>
+          </a:solidFill>
+          <a:prstDash val="solid"/>
+        </a:ln>
+        <a:ln w="25400" cap="flat" cmpd="sng" algn="ctr">
+          <a:solidFill>
+            <a:schemeClr val="phClr"/>
+          </a:solidFill>
+          <a:prstDash val="solid"/>
+        </a:ln>
+        <a:ln w="38100" cap="flat" cmpd="sng" algn="ctr">
+          <a:solidFill>
+            <a:schemeClr val="phClr"/>
+          </a:solidFill>
+          <a:prstDash val="solid"/>
+        </a:ln>
+      </a:lnStyleLst>
+      <a:effectStyleLst>
+        <a:effectStyle>
+          <a:effectLst>
+            <a:outerShdw blurRad="40000" dist="20000" dir="5400000" rotWithShape="0">
+              <a:srgbClr val="000000">
+                <a:alpha val="38000"/>
+              </a:srgbClr>
+            </a:outerShdw>
+          </a:effectLst>
+        </a:effectStyle>
+        <a:effectStyle>
+          <a:effectLst>
+            <a:outerShdw blurRad="40000" dist="23000" dir="5400000" rotWithShape="0">
+              <a:srgbClr val="000000">
+                <a:alpha val="35000"/>
+              </a:srgbClr>
+            </a:outerShdw>
+          </a:effectLst>
+        </a:effectStyle>
+        <a:effectStyle>
+          <a:effectLst>
+            <a:outerShdw blurRad="40000" dist="23000" dir="5400000" rotWithShape="0">
+              <a:srgbClr val="000000">
+                <a:alpha val="35000"/>
+              </a:srgbClr>
+            </a:outerShdw>
+          </a:effectLst>
+          <a:scene3d>
+            <a:camera prst="orthographicFront">
+              <a:rot lat="0" lon="0" rev="0"/>
+            </a:camera>
+            <a:lightRig rig="threePt" dir="t">
+              <a:rot lat="0" lon="0" rev="1200000"/>
+            </a:lightRig>
+          </a:scene3d>
+          <a:sp3d>
+            <a:bevelT w="63500" h="25400"/>
+          </a:sp3d>
+        </a:effectStyle>
+      </a:effectStyleLst>
+      <a:bgFillStyleLst>
+        <a:solidFill>
+          <a:schemeClr val="phClr"/>
+        </a:solidFill>
+        <a:gradFill rotWithShape="1">
+          <a:gsLst>
+            <a:gs pos="0">
+              <a:schemeClr val="phClr">
+                <a:tint val="40000"/>
+                <a:satMod val="350000"/>
+              </a:schemeClr>
+            </a:gs>
+            <a:gs pos="40000">
+              <a:schemeClr val="phClr">
+                <a:tint val="45000"/>
+                <a:shade val="99000"/>
+                <a:satMod val="350000"/>
+              </a:schemeClr>
+            </a:gs>
+            <a:gs pos="100000">
+              <a:schemeClr val="phClr">
+                <a:shade val="20000"/>
+                <a:satMod val="255000"/>
+              </a:schemeClr>
+            </a:gs>
+          </a:gsLst>
+          <a:path path="circle">
+            <a:fillToRect l="50000" t="-80000" r="50000" b="180000"/>
+          </a:path>
+        </a:gradFill>
+        <a:gradFill rotWithShape="1">
+          <a:gsLst>
+            <a:gs pos="0">
+              <a:schemeClr val="phClr">
+                <a:tint val="80000"/>
+                <a:satMod val="300000"/>
+              </a:schemeClr>
+            </a:gs>
+            <a:gs pos="100000">
+              <a:schemeClr val="phClr">
+                <a:shade val="30000"/>
+                <a:satMod val="200000"/>
+              </a:schemeClr>
+            </a:gs>
+          </a:gsLst>
+          <a:path path="circle">
+            <a:fillToRect l="50000" t="50000" r="50000" b="50000"/>
+          </a:path>
+        </a:gradFill>
+      </a:bgFillStyleLst>
+    </a:fmtScheme>
+  </a:themeElements>
+</a:theme>
+</file>
+
+<file path=ppt/theme/theme2.xml><?xml version="1.0" encoding="utf-8"?>
 <a:theme xmlns:a="http://schemas.openxmlformats.org/drawingml/2006/main" xmlns:r="http://schemas.openxmlformats.org/officeDocument/2006/relationships">
   <a:themeElements>
     <a:clrScheme name="Default">
@@ -20363,283 +20449,4 @@
     </a:fmtScheme>
   </a:themeElements>
 </a:theme>
-</file>
-
-<file path=ppt/theme/theme2.xml><?xml version="1.0" encoding="utf-8"?>
-<a:theme xmlns:a="http://schemas.openxmlformats.org/drawingml/2006/main" xmlns:r="http://schemas.openxmlformats.org/officeDocument/2006/relationships" name="Momentum">
-  <a:themeElements>
-    <a:clrScheme name="Momentum">
-      <a:dk1>
-        <a:srgbClr val="C0791B"/>
-      </a:dk1>
-      <a:lt1>
-        <a:srgbClr val="FFFFFF"/>
-      </a:lt1>
-      <a:dk2>
-        <a:srgbClr val="424242"/>
-      </a:dk2>
-      <a:lt2>
-        <a:srgbClr val="8DD8D3"/>
-      </a:lt2>
-      <a:accent1>
-        <a:srgbClr val="0B6374"/>
-      </a:accent1>
-      <a:accent2>
-        <a:srgbClr val="FD5B58"/>
-      </a:accent2>
-      <a:accent3>
-        <a:srgbClr val="599191"/>
-      </a:accent3>
-      <a:accent4>
-        <a:srgbClr val="D7E6A3"/>
-      </a:accent4>
-      <a:accent5>
-        <a:srgbClr val="27278B"/>
-      </a:accent5>
-      <a:accent6>
-        <a:srgbClr val="D558AB"/>
-      </a:accent6>
-      <a:hlink>
-        <a:srgbClr val="27278B"/>
-      </a:hlink>
-      <a:folHlink>
-        <a:srgbClr val="27278B"/>
-      </a:folHlink>
-    </a:clrScheme>
-    <a:fontScheme name="Office">
-      <a:majorFont>
-        <a:latin typeface="Arial"/>
-        <a:ea typeface=""/>
-        <a:cs typeface=""/>
-        <a:font script="Jpan" typeface="ＭＳ Ｐゴシック"/>
-        <a:font script="Hang" typeface="맑은 고딕"/>
-        <a:font script="Hans" typeface="宋体"/>
-        <a:font script="Hant" typeface="新細明體"/>
-        <a:font script="Arab" typeface="Times New Roman"/>
-        <a:font script="Hebr" typeface="Times New Roman"/>
-        <a:font script="Thai" typeface="Angsana New"/>
-        <a:font script="Ethi" typeface="Nyala"/>
-        <a:font script="Beng" typeface="Vrinda"/>
-        <a:font script="Gujr" typeface="Shruti"/>
-        <a:font script="Khmr" typeface="MoolBoran"/>
-        <a:font script="Knda" typeface="Tunga"/>
-        <a:font script="Guru" typeface="Raavi"/>
-        <a:font script="Cans" typeface="Euphemia"/>
-        <a:font script="Cher" typeface="Plantagenet Cherokee"/>
-        <a:font script="Yiii" typeface="Microsoft Yi Baiti"/>
-        <a:font script="Tibt" typeface="Microsoft Himalaya"/>
-        <a:font script="Thaa" typeface="MV Boli"/>
-        <a:font script="Deva" typeface="Mangal"/>
-        <a:font script="Telu" typeface="Gautami"/>
-        <a:font script="Taml" typeface="Latha"/>
-        <a:font script="Syrc" typeface="Estrangelo Edessa"/>
-        <a:font script="Orya" typeface="Kalinga"/>
-        <a:font script="Mlym" typeface="Kartika"/>
-        <a:font script="Laoo" typeface="DokChampa"/>
-        <a:font script="Sinh" typeface="Iskoola Pota"/>
-        <a:font script="Mong" typeface="Mongolian Baiti"/>
-        <a:font script="Viet" typeface="Times New Roman"/>
-        <a:font script="Uigh" typeface="Microsoft Uighur"/>
-        <a:font script="Geor" typeface="Sylfaen"/>
-      </a:majorFont>
-      <a:minorFont>
-        <a:latin typeface="Arial"/>
-        <a:ea typeface=""/>
-        <a:cs typeface=""/>
-        <a:font script="Jpan" typeface="ＭＳ Ｐゴシック"/>
-        <a:font script="Hang" typeface="맑은 고딕"/>
-        <a:font script="Hans" typeface="宋体"/>
-        <a:font script="Hant" typeface="新細明體"/>
-        <a:font script="Arab" typeface="Arial"/>
-        <a:font script="Hebr" typeface="Arial"/>
-        <a:font script="Thai" typeface="Cordia New"/>
-        <a:font script="Ethi" typeface="Nyala"/>
-        <a:font script="Beng" typeface="Vrinda"/>
-        <a:font script="Gujr" typeface="Shruti"/>
-        <a:font script="Khmr" typeface="DaunPenh"/>
-        <a:font script="Knda" typeface="Tunga"/>
-        <a:font script="Guru" typeface="Raavi"/>
-        <a:font script="Cans" typeface="Euphemia"/>
-        <a:font script="Cher" typeface="Plantagenet Cherokee"/>
-        <a:font script="Yiii" typeface="Microsoft Yi Baiti"/>
-        <a:font script="Tibt" typeface="Microsoft Himalaya"/>
-        <a:font script="Thaa" typeface="MV Boli"/>
-        <a:font script="Deva" typeface="Mangal"/>
-        <a:font script="Telu" typeface="Gautami"/>
-        <a:font script="Taml" typeface="Latha"/>
-        <a:font script="Syrc" typeface="Estrangelo Edessa"/>
-        <a:font script="Orya" typeface="Kalinga"/>
-        <a:font script="Mlym" typeface="Kartika"/>
-        <a:font script="Laoo" typeface="DokChampa"/>
-        <a:font script="Sinh" typeface="Iskoola Pota"/>
-        <a:font script="Mong" typeface="Mongolian Baiti"/>
-        <a:font script="Viet" typeface="Arial"/>
-        <a:font script="Uigh" typeface="Microsoft Uighur"/>
-        <a:font script="Geor" typeface="Sylfaen"/>
-      </a:minorFont>
-    </a:fontScheme>
-    <a:fmtScheme name="Office">
-      <a:fillStyleLst>
-        <a:solidFill>
-          <a:schemeClr val="phClr"/>
-        </a:solidFill>
-        <a:gradFill rotWithShape="1">
-          <a:gsLst>
-            <a:gs pos="0">
-              <a:schemeClr val="phClr">
-                <a:tint val="50000"/>
-                <a:satMod val="300000"/>
-              </a:schemeClr>
-            </a:gs>
-            <a:gs pos="35000">
-              <a:schemeClr val="phClr">
-                <a:tint val="37000"/>
-                <a:satMod val="300000"/>
-              </a:schemeClr>
-            </a:gs>
-            <a:gs pos="100000">
-              <a:schemeClr val="phClr">
-                <a:tint val="15000"/>
-                <a:satMod val="350000"/>
-              </a:schemeClr>
-            </a:gs>
-          </a:gsLst>
-          <a:lin ang="16200000" scaled="1"/>
-        </a:gradFill>
-        <a:gradFill rotWithShape="1">
-          <a:gsLst>
-            <a:gs pos="0">
-              <a:schemeClr val="phClr">
-                <a:tint val="100000"/>
-                <a:shade val="100000"/>
-                <a:satMod val="130000"/>
-              </a:schemeClr>
-            </a:gs>
-            <a:gs pos="100000">
-              <a:schemeClr val="phClr">
-                <a:tint val="50000"/>
-                <a:shade val="100000"/>
-                <a:satMod val="350000"/>
-              </a:schemeClr>
-            </a:gs>
-          </a:gsLst>
-          <a:lin ang="16200000" scaled="0"/>
-        </a:gradFill>
-      </a:fillStyleLst>
-      <a:lnStyleLst>
-        <a:ln w="9525" cap="flat" cmpd="sng" algn="ctr">
-          <a:solidFill>
-            <a:schemeClr val="phClr">
-              <a:shade val="95000"/>
-              <a:satMod val="105000"/>
-            </a:schemeClr>
-          </a:solidFill>
-          <a:prstDash val="solid"/>
-        </a:ln>
-        <a:ln w="25400" cap="flat" cmpd="sng" algn="ctr">
-          <a:solidFill>
-            <a:schemeClr val="phClr"/>
-          </a:solidFill>
-          <a:prstDash val="solid"/>
-        </a:ln>
-        <a:ln w="38100" cap="flat" cmpd="sng" algn="ctr">
-          <a:solidFill>
-            <a:schemeClr val="phClr"/>
-          </a:solidFill>
-          <a:prstDash val="solid"/>
-        </a:ln>
-      </a:lnStyleLst>
-      <a:effectStyleLst>
-        <a:effectStyle>
-          <a:effectLst>
-            <a:outerShdw blurRad="40000" dist="20000" dir="5400000" rotWithShape="0">
-              <a:srgbClr val="000000">
-                <a:alpha val="38000"/>
-              </a:srgbClr>
-            </a:outerShdw>
-          </a:effectLst>
-        </a:effectStyle>
-        <a:effectStyle>
-          <a:effectLst>
-            <a:outerShdw blurRad="40000" dist="23000" dir="5400000" rotWithShape="0">
-              <a:srgbClr val="000000">
-                <a:alpha val="35000"/>
-              </a:srgbClr>
-            </a:outerShdw>
-          </a:effectLst>
-        </a:effectStyle>
-        <a:effectStyle>
-          <a:effectLst>
-            <a:outerShdw blurRad="40000" dist="23000" dir="5400000" rotWithShape="0">
-              <a:srgbClr val="000000">
-                <a:alpha val="35000"/>
-              </a:srgbClr>
-            </a:outerShdw>
-          </a:effectLst>
-          <a:scene3d>
-            <a:camera prst="orthographicFront">
-              <a:rot lat="0" lon="0" rev="0"/>
-            </a:camera>
-            <a:lightRig rig="threePt" dir="t">
-              <a:rot lat="0" lon="0" rev="1200000"/>
-            </a:lightRig>
-          </a:scene3d>
-          <a:sp3d>
-            <a:bevelT w="63500" h="25400"/>
-          </a:sp3d>
-        </a:effectStyle>
-      </a:effectStyleLst>
-      <a:bgFillStyleLst>
-        <a:solidFill>
-          <a:schemeClr val="phClr"/>
-        </a:solidFill>
-        <a:gradFill rotWithShape="1">
-          <a:gsLst>
-            <a:gs pos="0">
-              <a:schemeClr val="phClr">
-                <a:tint val="40000"/>
-                <a:satMod val="350000"/>
-              </a:schemeClr>
-            </a:gs>
-            <a:gs pos="40000">
-              <a:schemeClr val="phClr">
-                <a:tint val="45000"/>
-                <a:shade val="99000"/>
-                <a:satMod val="350000"/>
-              </a:schemeClr>
-            </a:gs>
-            <a:gs pos="100000">
-              <a:schemeClr val="phClr">
-                <a:shade val="20000"/>
-                <a:satMod val="255000"/>
-              </a:schemeClr>
-            </a:gs>
-          </a:gsLst>
-          <a:path path="circle">
-            <a:fillToRect l="50000" t="-80000" r="50000" b="180000"/>
-          </a:path>
-        </a:gradFill>
-        <a:gradFill rotWithShape="1">
-          <a:gsLst>
-            <a:gs pos="0">
-              <a:schemeClr val="phClr">
-                <a:tint val="80000"/>
-                <a:satMod val="300000"/>
-              </a:schemeClr>
-            </a:gs>
-            <a:gs pos="100000">
-              <a:schemeClr val="phClr">
-                <a:shade val="30000"/>
-                <a:satMod val="200000"/>
-              </a:schemeClr>
-            </a:gs>
-          </a:gsLst>
-          <a:path path="circle">
-            <a:fillToRect l="50000" t="50000" r="50000" b="50000"/>
-          </a:path>
-        </a:gradFill>
-      </a:bgFillStyleLst>
-    </a:fmtScheme>
-  </a:themeElements>
-</a:theme>
 </file>
--- a/Data Foundation Systems - Final Eval.pptx
+++ b/Data Foundation Systems - Final Eval.pptx
@@ -1629,7 +1629,7 @@
       </p:grpSpPr>
       <p:sp>
         <p:nvSpPr>
-          <p:cNvPr id="380" name="Google Shape;380;g12364f86422_2_5:notes"/>
+          <p:cNvPr id="380" name="Google Shape;380;g126290804e4_0_548:notes"/>
           <p:cNvSpPr/>
           <p:nvPr>
             <p:ph idx="2" type="sldImg"/>
@@ -1664,7 +1664,7 @@
       </p:sp>
       <p:sp>
         <p:nvSpPr>
-          <p:cNvPr id="381" name="Google Shape;381;g12364f86422_2_5:notes"/>
+          <p:cNvPr id="381" name="Google Shape;381;g126290804e4_0_548:notes"/>
           <p:cNvSpPr txBox="1"/>
           <p:nvPr>
             <p:ph idx="1" type="body"/>
@@ -1728,7 +1728,7 @@
       </p:grpSpPr>
       <p:sp>
         <p:nvSpPr>
-          <p:cNvPr id="386" name="Google Shape;386;g126290804e4_0_548:notes"/>
+          <p:cNvPr id="386" name="Google Shape;386;g12364f86422_2_5:notes"/>
           <p:cNvSpPr/>
           <p:nvPr>
             <p:ph idx="2" type="sldImg"/>
@@ -1763,7 +1763,7 @@
       </p:sp>
       <p:sp>
         <p:nvSpPr>
-          <p:cNvPr id="387" name="Google Shape;387;g126290804e4_0_548:notes"/>
+          <p:cNvPr id="387" name="Google Shape;387;g12364f86422_2_5:notes"/>
           <p:cNvSpPr txBox="1"/>
           <p:nvPr>
             <p:ph idx="1" type="body"/>
@@ -17997,7 +17997,7 @@
             </a:pPr>
             <a:r>
               <a:rPr lang="en"/>
-              <a:t>Avi Agarwal</a:t>
+              <a:t>Prashant Raj</a:t>
             </a:r>
             <a:endParaRPr/>
           </a:p>
@@ -18017,7 +18017,7 @@
             </a:pPr>
             <a:r>
               <a:rPr lang="en"/>
-              <a:t>UI.</a:t>
+              <a:t>Login Page UI structure.</a:t>
             </a:r>
             <a:endParaRPr/>
           </a:p>
@@ -18037,7 +18037,7 @@
             </a:pPr>
             <a:r>
               <a:rPr lang="en"/>
-              <a:t>Material-UI.</a:t>
+              <a:t>Dataset Info page UI structure.</a:t>
             </a:r>
             <a:endParaRPr/>
           </a:p>
@@ -18057,7 +18057,127 @@
             </a:pPr>
             <a:r>
               <a:rPr lang="en"/>
-              <a:t>Frontend tweaks and testing.</a:t>
+              <a:t>Divide Dataset page UI structure.</a:t>
+            </a:r>
+            <a:endParaRPr/>
+          </a:p>
+          <a:p>
+            <a:pPr indent="-298450" lvl="1" marL="914400" rtl="0" algn="l">
+              <a:lnSpc>
+                <a:spcPct val="150000"/>
+              </a:lnSpc>
+              <a:spcBef>
+                <a:spcPts val="0"/>
+              </a:spcBef>
+              <a:spcAft>
+                <a:spcPts val="0"/>
+              </a:spcAft>
+              <a:buSzPts val="1100"/>
+              <a:buChar char="○"/>
+            </a:pPr>
+            <a:r>
+              <a:rPr lang="en"/>
+              <a:t>Backend migration to MySQL from MongoDB.</a:t>
+            </a:r>
+            <a:endParaRPr/>
+          </a:p>
+          <a:p>
+            <a:pPr indent="-298450" lvl="1" marL="914400" rtl="0" algn="l">
+              <a:lnSpc>
+                <a:spcPct val="150000"/>
+              </a:lnSpc>
+              <a:spcBef>
+                <a:spcPts val="0"/>
+              </a:spcBef>
+              <a:spcAft>
+                <a:spcPts val="0"/>
+              </a:spcAft>
+              <a:buSzPts val="1100"/>
+              <a:buChar char="○"/>
+            </a:pPr>
+            <a:r>
+              <a:rPr lang="en"/>
+              <a:t>Backend code to handle unzipping and extraction of files into relevant folders.</a:t>
+            </a:r>
+            <a:endParaRPr/>
+          </a:p>
+          <a:p>
+            <a:pPr indent="-298450" lvl="1" marL="914400" rtl="0" algn="l">
+              <a:lnSpc>
+                <a:spcPct val="150000"/>
+              </a:lnSpc>
+              <a:spcBef>
+                <a:spcPts val="0"/>
+              </a:spcBef>
+              <a:spcAft>
+                <a:spcPts val="0"/>
+              </a:spcAft>
+              <a:buSzPts val="1100"/>
+              <a:buChar char="○"/>
+            </a:pPr>
+            <a:r>
+              <a:rPr lang="en"/>
+              <a:t>Backend code to populate MySQL tables with extracted file records for every new dataset.</a:t>
+            </a:r>
+            <a:endParaRPr/>
+          </a:p>
+          <a:p>
+            <a:pPr indent="-298450" lvl="1" marL="914400" rtl="0" algn="l">
+              <a:lnSpc>
+                <a:spcPct val="150000"/>
+              </a:lnSpc>
+              <a:spcBef>
+                <a:spcPts val="0"/>
+              </a:spcBef>
+              <a:spcAft>
+                <a:spcPts val="0"/>
+              </a:spcAft>
+              <a:buSzPts val="1100"/>
+              <a:buChar char="○"/>
+            </a:pPr>
+            <a:r>
+              <a:rPr lang="en"/>
+              <a:t>React frontend integration with node backend through API calls.</a:t>
+            </a:r>
+            <a:endParaRPr/>
+          </a:p>
+          <a:p>
+            <a:pPr indent="-298450" lvl="1" marL="914400" rtl="0" algn="l">
+              <a:lnSpc>
+                <a:spcPct val="150000"/>
+              </a:lnSpc>
+              <a:spcBef>
+                <a:spcPts val="0"/>
+              </a:spcBef>
+              <a:spcAft>
+                <a:spcPts val="0"/>
+              </a:spcAft>
+              <a:buSzPts val="1100"/>
+              <a:buChar char="○"/>
+            </a:pPr>
+            <a:r>
+              <a:rPr lang="en"/>
+              <a:t>Divide Dataset priority based employee display.</a:t>
+            </a:r>
+            <a:endParaRPr/>
+          </a:p>
+          <a:p>
+            <a:pPr indent="-298450" lvl="1" marL="914400" rtl="0" algn="l">
+              <a:lnSpc>
+                <a:spcPct val="150000"/>
+              </a:lnSpc>
+              <a:spcBef>
+                <a:spcPts val="0"/>
+              </a:spcBef>
+              <a:spcAft>
+                <a:spcPts val="0"/>
+              </a:spcAft>
+              <a:buSzPts val="1100"/>
+              <a:buChar char="○"/>
+            </a:pPr>
+            <a:r>
+              <a:rPr lang="en"/>
+              <a:t>Manager Dashboard changing status from processing to processed based on database entry.</a:t>
             </a:r>
             <a:endParaRPr/>
           </a:p>
@@ -18166,7 +18286,7 @@
             </a:pPr>
             <a:r>
               <a:rPr lang="en"/>
-              <a:t>Prashant Raj</a:t>
+              <a:t>Avi Agarwal</a:t>
             </a:r>
             <a:endParaRPr/>
           </a:p>
@@ -18186,7 +18306,7 @@
             </a:pPr>
             <a:r>
               <a:rPr lang="en"/>
-              <a:t>Login Page UI structure.</a:t>
+              <a:t>UI.</a:t>
             </a:r>
             <a:endParaRPr/>
           </a:p>
@@ -18206,7 +18326,7 @@
             </a:pPr>
             <a:r>
               <a:rPr lang="en"/>
-              <a:t>Dataset Info page UI structure.</a:t>
+              <a:t>Material-UI.</a:t>
             </a:r>
             <a:endParaRPr/>
           </a:p>
@@ -18226,7 +18346,7 @@
             </a:pPr>
             <a:r>
               <a:rPr lang="en"/>
-              <a:t>Divide Dataset page UI structure.</a:t>
+              <a:t>Frontend tweaks and testing.</a:t>
             </a:r>
             <a:endParaRPr/>
           </a:p>
@@ -18246,7 +18366,7 @@
             </a:pPr>
             <a:r>
               <a:rPr lang="en"/>
-              <a:t>Backend migration to MySQL from MongoDB.</a:t>
+              <a:t>Bootstrap Handling</a:t>
             </a:r>
             <a:endParaRPr/>
           </a:p>
@@ -18266,7 +18386,7 @@
             </a:pPr>
             <a:r>
               <a:rPr lang="en"/>
-              <a:t>Backend code to handle unzipping and extraction of files into relevant folders.</a:t>
+              <a:t>Manager Dashboards styling</a:t>
             </a:r>
             <a:endParaRPr/>
           </a:p>
@@ -18286,7 +18406,7 @@
             </a:pPr>
             <a:r>
               <a:rPr lang="en"/>
-              <a:t>Backend code to populate MySQL tables with extracted file records for every new dataset.</a:t>
+              <a:t>Employee Dashboard </a:t>
             </a:r>
             <a:endParaRPr/>
           </a:p>
@@ -18306,47 +18426,11 @@
             </a:pPr>
             <a:r>
               <a:rPr lang="en"/>
-              <a:t>React frontend integration with node backend through API calls.</a:t>
+              <a:t>Routing structure for </a:t>
             </a:r>
-            <a:endParaRPr/>
-          </a:p>
-          <a:p>
-            <a:pPr indent="-298450" lvl="1" marL="914400" rtl="0" algn="l">
-              <a:lnSpc>
-                <a:spcPct val="150000"/>
-              </a:lnSpc>
-              <a:spcBef>
-                <a:spcPts val="0"/>
-              </a:spcBef>
-              <a:spcAft>
-                <a:spcPts val="0"/>
-              </a:spcAft>
-              <a:buSzPts val="1100"/>
-              <a:buChar char="○"/>
-            </a:pPr>
             <a:r>
               <a:rPr lang="en"/>
-              <a:t>Divide Dataset priority based employee display.</a:t>
-            </a:r>
-            <a:endParaRPr/>
-          </a:p>
-          <a:p>
-            <a:pPr indent="-298450" lvl="1" marL="914400" rtl="0" algn="l">
-              <a:lnSpc>
-                <a:spcPct val="150000"/>
-              </a:lnSpc>
-              <a:spcBef>
-                <a:spcPts val="0"/>
-              </a:spcBef>
-              <a:spcAft>
-                <a:spcPts val="0"/>
-              </a:spcAft>
-              <a:buSzPts val="1100"/>
-              <a:buChar char="○"/>
-            </a:pPr>
-            <a:r>
-              <a:rPr lang="en"/>
-              <a:t>Manager Dashboard changing status from processing to processed based on database entry.</a:t>
+              <a:t>web pages</a:t>
             </a:r>
             <a:endParaRPr/>
           </a:p>
@@ -19894,6 +19978,285 @@
 </file>
 
 <file path=ppt/theme/theme1.xml><?xml version="1.0" encoding="utf-8"?>
+<a:theme xmlns:a="http://schemas.openxmlformats.org/drawingml/2006/main" xmlns:r="http://schemas.openxmlformats.org/officeDocument/2006/relationships">
+  <a:themeElements>
+    <a:clrScheme name="Default">
+      <a:dk1>
+        <a:srgbClr val="000000"/>
+      </a:dk1>
+      <a:lt1>
+        <a:srgbClr val="FFFFFF"/>
+      </a:lt1>
+      <a:dk2>
+        <a:srgbClr val="158158"/>
+      </a:dk2>
+      <a:lt2>
+        <a:srgbClr val="F3F3F3"/>
+      </a:lt2>
+      <a:accent1>
+        <a:srgbClr val="058DC7"/>
+      </a:accent1>
+      <a:accent2>
+        <a:srgbClr val="50B432"/>
+      </a:accent2>
+      <a:accent3>
+        <a:srgbClr val="ED561B"/>
+      </a:accent3>
+      <a:accent4>
+        <a:srgbClr val="EDEF00"/>
+      </a:accent4>
+      <a:accent5>
+        <a:srgbClr val="24CBE5"/>
+      </a:accent5>
+      <a:accent6>
+        <a:srgbClr val="64E572"/>
+      </a:accent6>
+      <a:hlink>
+        <a:srgbClr val="2200CC"/>
+      </a:hlink>
+      <a:folHlink>
+        <a:srgbClr val="551A8B"/>
+      </a:folHlink>
+    </a:clrScheme>
+    <a:fontScheme name="Office">
+      <a:majorFont>
+        <a:latin typeface="Arial"/>
+        <a:ea typeface=""/>
+        <a:cs typeface=""/>
+        <a:font script="Jpan" typeface="ＭＳ Ｐゴシック"/>
+        <a:font script="Hang" typeface="맑은 고딕"/>
+        <a:font script="Hans" typeface="宋体"/>
+        <a:font script="Hant" typeface="新細明體"/>
+        <a:font script="Arab" typeface="Times New Roman"/>
+        <a:font script="Hebr" typeface="Times New Roman"/>
+        <a:font script="Thai" typeface="Angsana New"/>
+        <a:font script="Ethi" typeface="Nyala"/>
+        <a:font script="Beng" typeface="Vrinda"/>
+        <a:font script="Gujr" typeface="Shruti"/>
+        <a:font script="Khmr" typeface="MoolBoran"/>
+        <a:font script="Knda" typeface="Tunga"/>
+        <a:font script="Guru" typeface="Raavi"/>
+        <a:font script="Cans" typeface="Euphemia"/>
+        <a:font script="Cher" typeface="Plantagenet Cherokee"/>
+        <a:font script="Yiii" typeface="Microsoft Yi Baiti"/>
+        <a:font script="Tibt" typeface="Microsoft Himalaya"/>
+        <a:font script="Thaa" typeface="MV Boli"/>
+        <a:font script="Deva" typeface="Mangal"/>
+        <a:font script="Telu" typeface="Gautami"/>
+        <a:font script="Taml" typeface="Latha"/>
+        <a:font script="Syrc" typeface="Estrangelo Edessa"/>
+        <a:font script="Orya" typeface="Kalinga"/>
+        <a:font script="Mlym" typeface="Kartika"/>
+        <a:font script="Laoo" typeface="DokChampa"/>
+        <a:font script="Sinh" typeface="Iskoola Pota"/>
+        <a:font script="Mong" typeface="Mongolian Baiti"/>
+        <a:font script="Viet" typeface="Times New Roman"/>
+        <a:font script="Uigh" typeface="Microsoft Uighur"/>
+        <a:font script="Geor" typeface="Sylfaen"/>
+      </a:majorFont>
+      <a:minorFont>
+        <a:latin typeface="Arial"/>
+        <a:ea typeface=""/>
+        <a:cs typeface=""/>
+        <a:font script="Jpan" typeface="ＭＳ Ｐゴシック"/>
+        <a:font script="Hang" typeface="맑은 고딕"/>
+        <a:font script="Hans" typeface="宋体"/>
+        <a:font script="Hant" typeface="新細明體"/>
+        <a:font script="Arab" typeface="Arial"/>
+        <a:font script="Hebr" typeface="Arial"/>
+        <a:font script="Thai" typeface="Cordia New"/>
+        <a:font script="Ethi" typeface="Nyala"/>
+        <a:font script="Beng" typeface="Vrinda"/>
+        <a:font script="Gujr" typeface="Shruti"/>
+        <a:font script="Khmr" typeface="DaunPenh"/>
+        <a:font script="Knda" typeface="Tunga"/>
+        <a:font script="Guru" typeface="Raavi"/>
+        <a:font script="Cans" typeface="Euphemia"/>
+        <a:font script="Cher" typeface="Plantagenet Cherokee"/>
+        <a:font script="Yiii" typeface="Microsoft Yi Baiti"/>
+        <a:font script="Tibt" typeface="Microsoft Himalaya"/>
+        <a:font script="Thaa" typeface="MV Boli"/>
+        <a:font script="Deva" typeface="Mangal"/>
+        <a:font script="Telu" typeface="Gautami"/>
+        <a:font script="Taml" typeface="Latha"/>
+        <a:font script="Syrc" typeface="Estrangelo Edessa"/>
+        <a:font script="Orya" typeface="Kalinga"/>
+        <a:font script="Mlym" typeface="Kartika"/>
+        <a:font script="Laoo" typeface="DokChampa"/>
+        <a:font script="Sinh" typeface="Iskoola Pota"/>
+        <a:font script="Mong" typeface="Mongolian Baiti"/>
+        <a:font script="Viet" typeface="Arial"/>
+        <a:font script="Uigh" typeface="Microsoft Uighur"/>
+        <a:font script="Geor" typeface="Sylfaen"/>
+      </a:minorFont>
+    </a:fontScheme>
+    <a:fmtScheme name="Office">
+      <a:fillStyleLst>
+        <a:solidFill>
+          <a:schemeClr val="phClr"/>
+        </a:solidFill>
+        <a:gradFill rotWithShape="1">
+          <a:gsLst>
+            <a:gs pos="0">
+              <a:schemeClr val="phClr">
+                <a:tint val="50000"/>
+                <a:satMod val="300000"/>
+              </a:schemeClr>
+            </a:gs>
+            <a:gs pos="35000">
+              <a:schemeClr val="phClr">
+                <a:tint val="37000"/>
+                <a:satMod val="300000"/>
+              </a:schemeClr>
+            </a:gs>
+            <a:gs pos="100000">
+              <a:schemeClr val="phClr">
+                <a:tint val="15000"/>
+                <a:satMod val="350000"/>
+              </a:schemeClr>
+            </a:gs>
+          </a:gsLst>
+          <a:lin ang="16200000" scaled="1"/>
+        </a:gradFill>
+        <a:gradFill rotWithShape="1">
+          <a:gsLst>
+            <a:gs pos="0">
+              <a:schemeClr val="phClr">
+                <a:tint val="100000"/>
+                <a:shade val="100000"/>
+                <a:satMod val="130000"/>
+              </a:schemeClr>
+            </a:gs>
+            <a:gs pos="100000">
+              <a:schemeClr val="phClr">
+                <a:tint val="50000"/>
+                <a:shade val="100000"/>
+                <a:satMod val="350000"/>
+              </a:schemeClr>
+            </a:gs>
+          </a:gsLst>
+          <a:lin ang="16200000" scaled="0"/>
+        </a:gradFill>
+      </a:fillStyleLst>
+      <a:lnStyleLst>
+        <a:ln w="9525" cap="flat" cmpd="sng" algn="ctr">
+          <a:solidFill>
+            <a:schemeClr val="phClr">
+              <a:shade val="95000"/>
+              <a:satMod val="105000"/>
+            </a:schemeClr>
+          </a:solidFill>
+          <a:prstDash val="solid"/>
+        </a:ln>
+        <a:ln w="25400" cap="flat" cmpd="sng" algn="ctr">
+          <a:solidFill>
+            <a:schemeClr val="phClr"/>
+          </a:solidFill>
+          <a:prstDash val="solid"/>
+        </a:ln>
+        <a:ln w="38100" cap="flat" cmpd="sng" algn="ctr">
+          <a:solidFill>
+            <a:schemeClr val="phClr"/>
+          </a:solidFill>
+          <a:prstDash val="solid"/>
+        </a:ln>
+      </a:lnStyleLst>
+      <a:effectStyleLst>
+        <a:effectStyle>
+          <a:effectLst>
+            <a:outerShdw blurRad="40000" dist="20000" dir="5400000" rotWithShape="0">
+              <a:srgbClr val="000000">
+                <a:alpha val="38000"/>
+              </a:srgbClr>
+            </a:outerShdw>
+          </a:effectLst>
+        </a:effectStyle>
+        <a:effectStyle>
+          <a:effectLst>
+            <a:outerShdw blurRad="40000" dist="23000" dir="5400000" rotWithShape="0">
+              <a:srgbClr val="000000">
+                <a:alpha val="35000"/>
+              </a:srgbClr>
+            </a:outerShdw>
+          </a:effectLst>
+        </a:effectStyle>
+        <a:effectStyle>
+          <a:effectLst>
+            <a:outerShdw blurRad="40000" dist="23000" dir="5400000" rotWithShape="0">
+              <a:srgbClr val="000000">
+                <a:alpha val="35000"/>
+              </a:srgbClr>
+            </a:outerShdw>
+          </a:effectLst>
+          <a:scene3d>
+            <a:camera prst="orthographicFront">
+              <a:rot lat="0" lon="0" rev="0"/>
+            </a:camera>
+            <a:lightRig rig="threePt" dir="t">
+              <a:rot lat="0" lon="0" rev="1200000"/>
+            </a:lightRig>
+          </a:scene3d>
+          <a:sp3d>
+            <a:bevelT w="63500" h="25400"/>
+          </a:sp3d>
+        </a:effectStyle>
+      </a:effectStyleLst>
+      <a:bgFillStyleLst>
+        <a:solidFill>
+          <a:schemeClr val="phClr"/>
+        </a:solidFill>
+        <a:gradFill rotWithShape="1">
+          <a:gsLst>
+            <a:gs pos="0">
+              <a:schemeClr val="phClr">
+                <a:tint val="40000"/>
+                <a:satMod val="350000"/>
+              </a:schemeClr>
+            </a:gs>
+            <a:gs pos="40000">
+              <a:schemeClr val="phClr">
+                <a:tint val="45000"/>
+                <a:shade val="99000"/>
+                <a:satMod val="350000"/>
+              </a:schemeClr>
+            </a:gs>
+            <a:gs pos="100000">
+              <a:schemeClr val="phClr">
+                <a:shade val="20000"/>
+                <a:satMod val="255000"/>
+              </a:schemeClr>
+            </a:gs>
+          </a:gsLst>
+          <a:path path="circle">
+            <a:fillToRect l="50000" t="-80000" r="50000" b="180000"/>
+          </a:path>
+        </a:gradFill>
+        <a:gradFill rotWithShape="1">
+          <a:gsLst>
+            <a:gs pos="0">
+              <a:schemeClr val="phClr">
+                <a:tint val="80000"/>
+                <a:satMod val="300000"/>
+              </a:schemeClr>
+            </a:gs>
+            <a:gs pos="100000">
+              <a:schemeClr val="phClr">
+                <a:shade val="30000"/>
+                <a:satMod val="200000"/>
+              </a:schemeClr>
+            </a:gs>
+          </a:gsLst>
+          <a:path path="circle">
+            <a:fillToRect l="50000" t="50000" r="50000" b="50000"/>
+          </a:path>
+        </a:gradFill>
+      </a:bgFillStyleLst>
+    </a:fmtScheme>
+  </a:themeElements>
+</a:theme>
+</file>
+
+<file path=ppt/theme/theme2.xml><?xml version="1.0" encoding="utf-8"?>
 <a:theme xmlns:a="http://schemas.openxmlformats.org/drawingml/2006/main" xmlns:r="http://schemas.openxmlformats.org/officeDocument/2006/relationships" name="Momentum">
   <a:themeElements>
     <a:clrScheme name="Momentum">
@@ -20170,283 +20533,4 @@
     </a:fmtScheme>
   </a:themeElements>
 </a:theme>
-</file>
-
-<file path=ppt/theme/theme2.xml><?xml version="1.0" encoding="utf-8"?>
-<a:theme xmlns:a="http://schemas.openxmlformats.org/drawingml/2006/main" xmlns:r="http://schemas.openxmlformats.org/officeDocument/2006/relationships">
-  <a:themeElements>
-    <a:clrScheme name="Default">
-      <a:dk1>
-        <a:srgbClr val="000000"/>
-      </a:dk1>
-      <a:lt1>
-        <a:srgbClr val="FFFFFF"/>
-      </a:lt1>
-      <a:dk2>
-        <a:srgbClr val="158158"/>
-      </a:dk2>
-      <a:lt2>
-        <a:srgbClr val="F3F3F3"/>
-      </a:lt2>
-      <a:accent1>
-        <a:srgbClr val="058DC7"/>
-      </a:accent1>
-      <a:accent2>
-        <a:srgbClr val="50B432"/>
-      </a:accent2>
-      <a:accent3>
-        <a:srgbClr val="ED561B"/>
-      </a:accent3>
-      <a:accent4>
-        <a:srgbClr val="EDEF00"/>
-      </a:accent4>
-      <a:accent5>
-        <a:srgbClr val="24CBE5"/>
-      </a:accent5>
-      <a:accent6>
-        <a:srgbClr val="64E572"/>
-      </a:accent6>
-      <a:hlink>
-        <a:srgbClr val="2200CC"/>
-      </a:hlink>
-      <a:folHlink>
-        <a:srgbClr val="551A8B"/>
-      </a:folHlink>
-    </a:clrScheme>
-    <a:fontScheme name="Office">
-      <a:majorFont>
-        <a:latin typeface="Arial"/>
-        <a:ea typeface=""/>
-        <a:cs typeface=""/>
-        <a:font script="Jpan" typeface="ＭＳ Ｐゴシック"/>
-        <a:font script="Hang" typeface="맑은 고딕"/>
-        <a:font script="Hans" typeface="宋体"/>
-        <a:font script="Hant" typeface="新細明體"/>
-        <a:font script="Arab" typeface="Times New Roman"/>
-        <a:font script="Hebr" typeface="Times New Roman"/>
-        <a:font script="Thai" typeface="Angsana New"/>
-        <a:font script="Ethi" typeface="Nyala"/>
-        <a:font script="Beng" typeface="Vrinda"/>
-        <a:font script="Gujr" typeface="Shruti"/>
-        <a:font script="Khmr" typeface="MoolBoran"/>
-        <a:font script="Knda" typeface="Tunga"/>
-        <a:font script="Guru" typeface="Raavi"/>
-        <a:font script="Cans" typeface="Euphemia"/>
-        <a:font script="Cher" typeface="Plantagenet Cherokee"/>
-        <a:font script="Yiii" typeface="Microsoft Yi Baiti"/>
-        <a:font script="Tibt" typeface="Microsoft Himalaya"/>
-        <a:font script="Thaa" typeface="MV Boli"/>
-        <a:font script="Deva" typeface="Mangal"/>
-        <a:font script="Telu" typeface="Gautami"/>
-        <a:font script="Taml" typeface="Latha"/>
-        <a:font script="Syrc" typeface="Estrangelo Edessa"/>
-        <a:font script="Orya" typeface="Kalinga"/>
-        <a:font script="Mlym" typeface="Kartika"/>
-        <a:font script="Laoo" typeface="DokChampa"/>
-        <a:font script="Sinh" typeface="Iskoola Pota"/>
-        <a:font script="Mong" typeface="Mongolian Baiti"/>
-        <a:font script="Viet" typeface="Times New Roman"/>
-        <a:font script="Uigh" typeface="Microsoft Uighur"/>
-        <a:font script="Geor" typeface="Sylfaen"/>
-      </a:majorFont>
-      <a:minorFont>
-        <a:latin typeface="Arial"/>
-        <a:ea typeface=""/>
-        <a:cs typeface=""/>
-        <a:font script="Jpan" typeface="ＭＳ Ｐゴシック"/>
-        <a:font script="Hang" typeface="맑은 고딕"/>
-        <a:font script="Hans" typeface="宋体"/>
-        <a:font script="Hant" typeface="新細明體"/>
-        <a:font script="Arab" typeface="Arial"/>
-        <a:font script="Hebr" typeface="Arial"/>
-        <a:font script="Thai" typeface="Cordia New"/>
-        <a:font script="Ethi" typeface="Nyala"/>
-        <a:font script="Beng" typeface="Vrinda"/>
-        <a:font script="Gujr" typeface="Shruti"/>
-        <a:font script="Khmr" typeface="DaunPenh"/>
-        <a:font script="Knda" typeface="Tunga"/>
-        <a:font script="Guru" typeface="Raavi"/>
-        <a:font script="Cans" typeface="Euphemia"/>
-        <a:font script="Cher" typeface="Plantagenet Cherokee"/>
-        <a:font script="Yiii" typeface="Microsoft Yi Baiti"/>
-        <a:font script="Tibt" typeface="Microsoft Himalaya"/>
-        <a:font script="Thaa" typeface="MV Boli"/>
-        <a:font script="Deva" typeface="Mangal"/>
-        <a:font script="Telu" typeface="Gautami"/>
-        <a:font script="Taml" typeface="Latha"/>
-        <a:font script="Syrc" typeface="Estrangelo Edessa"/>
-        <a:font script="Orya" typeface="Kalinga"/>
-        <a:font script="Mlym" typeface="Kartika"/>
-        <a:font script="Laoo" typeface="DokChampa"/>
-        <a:font script="Sinh" typeface="Iskoola Pota"/>
-        <a:font script="Mong" typeface="Mongolian Baiti"/>
-        <a:font script="Viet" typeface="Arial"/>
-        <a:font script="Uigh" typeface="Microsoft Uighur"/>
-        <a:font script="Geor" typeface="Sylfaen"/>
-      </a:minorFont>
-    </a:fontScheme>
-    <a:fmtScheme name="Office">
-      <a:fillStyleLst>
-        <a:solidFill>
-          <a:schemeClr val="phClr"/>
-        </a:solidFill>
-        <a:gradFill rotWithShape="1">
-          <a:gsLst>
-            <a:gs pos="0">
-              <a:schemeClr val="phClr">
-                <a:tint val="50000"/>
-                <a:satMod val="300000"/>
-              </a:schemeClr>
-            </a:gs>
-            <a:gs pos="35000">
-              <a:schemeClr val="phClr">
-                <a:tint val="37000"/>
-                <a:satMod val="300000"/>
-              </a:schemeClr>
-            </a:gs>
-            <a:gs pos="100000">
-              <a:schemeClr val="phClr">
-                <a:tint val="15000"/>
-                <a:satMod val="350000"/>
-              </a:schemeClr>
-            </a:gs>
-          </a:gsLst>
-          <a:lin ang="16200000" scaled="1"/>
-        </a:gradFill>
-        <a:gradFill rotWithShape="1">
-          <a:gsLst>
-            <a:gs pos="0">
-              <a:schemeClr val="phClr">
-                <a:tint val="100000"/>
-                <a:shade val="100000"/>
-                <a:satMod val="130000"/>
-              </a:schemeClr>
-            </a:gs>
-            <a:gs pos="100000">
-              <a:schemeClr val="phClr">
-                <a:tint val="50000"/>
-                <a:shade val="100000"/>
-                <a:satMod val="350000"/>
-              </a:schemeClr>
-            </a:gs>
-          </a:gsLst>
-          <a:lin ang="16200000" scaled="0"/>
-        </a:gradFill>
-      </a:fillStyleLst>
-      <a:lnStyleLst>
-        <a:ln w="9525" cap="flat" cmpd="sng" algn="ctr">
-          <a:solidFill>
-            <a:schemeClr val="phClr">
-              <a:shade val="95000"/>
-              <a:satMod val="105000"/>
-            </a:schemeClr>
-          </a:solidFill>
-          <a:prstDash val="solid"/>
-        </a:ln>
-        <a:ln w="25400" cap="flat" cmpd="sng" algn="ctr">
-          <a:solidFill>
-            <a:schemeClr val="phClr"/>
-          </a:solidFill>
-          <a:prstDash val="solid"/>
-        </a:ln>
-        <a:ln w="38100" cap="flat" cmpd="sng" algn="ctr">
-          <a:solidFill>
-            <a:schemeClr val="phClr"/>
-          </a:solidFill>
-          <a:prstDash val="solid"/>
-        </a:ln>
-      </a:lnStyleLst>
-      <a:effectStyleLst>
-        <a:effectStyle>
-          <a:effectLst>
-            <a:outerShdw blurRad="40000" dist="20000" dir="5400000" rotWithShape="0">
-              <a:srgbClr val="000000">
-                <a:alpha val="38000"/>
-              </a:srgbClr>
-            </a:outerShdw>
-          </a:effectLst>
-        </a:effectStyle>
-        <a:effectStyle>
-          <a:effectLst>
-            <a:outerShdw blurRad="40000" dist="23000" dir="5400000" rotWithShape="0">
-              <a:srgbClr val="000000">
-                <a:alpha val="35000"/>
-              </a:srgbClr>
-            </a:outerShdw>
-          </a:effectLst>
-        </a:effectStyle>
-        <a:effectStyle>
-          <a:effectLst>
-            <a:outerShdw blurRad="40000" dist="23000" dir="5400000" rotWithShape="0">
-              <a:srgbClr val="000000">
-                <a:alpha val="35000"/>
-              </a:srgbClr>
-            </a:outerShdw>
-          </a:effectLst>
-          <a:scene3d>
-            <a:camera prst="orthographicFront">
-              <a:rot lat="0" lon="0" rev="0"/>
-            </a:camera>
-            <a:lightRig rig="threePt" dir="t">
-              <a:rot lat="0" lon="0" rev="1200000"/>
-            </a:lightRig>
-          </a:scene3d>
-          <a:sp3d>
-            <a:bevelT w="63500" h="25400"/>
-          </a:sp3d>
-        </a:effectStyle>
-      </a:effectStyleLst>
-      <a:bgFillStyleLst>
-        <a:solidFill>
-          <a:schemeClr val="phClr"/>
-        </a:solidFill>
-        <a:gradFill rotWithShape="1">
-          <a:gsLst>
-            <a:gs pos="0">
-              <a:schemeClr val="phClr">
-                <a:tint val="40000"/>
-                <a:satMod val="350000"/>
-              </a:schemeClr>
-            </a:gs>
-            <a:gs pos="40000">
-              <a:schemeClr val="phClr">
-                <a:tint val="45000"/>
-                <a:shade val="99000"/>
-                <a:satMod val="350000"/>
-              </a:schemeClr>
-            </a:gs>
-            <a:gs pos="100000">
-              <a:schemeClr val="phClr">
-                <a:shade val="20000"/>
-                <a:satMod val="255000"/>
-              </a:schemeClr>
-            </a:gs>
-          </a:gsLst>
-          <a:path path="circle">
-            <a:fillToRect l="50000" t="-80000" r="50000" b="180000"/>
-          </a:path>
-        </a:gradFill>
-        <a:gradFill rotWithShape="1">
-          <a:gsLst>
-            <a:gs pos="0">
-              <a:schemeClr val="phClr">
-                <a:tint val="80000"/>
-                <a:satMod val="300000"/>
-              </a:schemeClr>
-            </a:gs>
-            <a:gs pos="100000">
-              <a:schemeClr val="phClr">
-                <a:shade val="30000"/>
-                <a:satMod val="200000"/>
-              </a:schemeClr>
-            </a:gs>
-          </a:gsLst>
-          <a:path path="circle">
-            <a:fillToRect l="50000" t="50000" r="50000" b="50000"/>
-          </a:path>
-        </a:gradFill>
-      </a:bgFillStyleLst>
-    </a:fmtScheme>
-  </a:themeElements>
-</a:theme>
 </file>